--- a/Slides/1. Course Overview/course-overview.pptx
+++ b/Slides/1. Course Overview/course-overview.pptx
@@ -3488,9 +3488,30 @@
           </a:p>
         </p:txBody>
       </p:sp>
+      <p:sp>
+        <p:nvSpPr>
+          <p:cNvPr id="5" name="Slide Number Placeholder 4"/>
+          <p:cNvSpPr>
+            <a:spLocks noGrp="1"/>
+          </p:cNvSpPr>
+          <p:nvPr>
+            <p:ph type="sldNum" sz="quarter" idx="12"/>
+          </p:nvPr>
+        </p:nvSpPr>
+        <p:spPr/>
+        <p:txBody>
+          <a:bodyPr/>
+          <a:p>
+            <a:fld id="{9B618960-8005-486C-9A75-10CB2AAC16F9}" type="slidenum">
+              <a:rPr lang="en-US" smtClean="0"/>
+            </a:fld>
+            <a:endParaRPr lang="en-US"/>
+          </a:p>
+        </p:txBody>
+      </p:sp>
       <p:pic>
         <p:nvPicPr>
-          <p:cNvPr id="4" name="Picture 3"/>
+          <p:cNvPr id="6" name="Picture 5"/>
           <p:cNvPicPr>
             <a:picLocks noChangeAspect="1"/>
           </p:cNvPicPr>
@@ -3504,35 +3525,14 @@
         </p:blipFill>
         <p:spPr>
           <a:xfrm>
-            <a:off x="866775" y="661670"/>
-            <a:ext cx="10458450" cy="5534025"/>
+            <a:off x="1268095" y="737870"/>
+            <a:ext cx="9575165" cy="5619115"/>
           </a:xfrm>
           <a:prstGeom prst="rect">
             <a:avLst/>
           </a:prstGeom>
         </p:spPr>
       </p:pic>
-      <p:sp>
-        <p:nvSpPr>
-          <p:cNvPr id="5" name="Slide Number Placeholder 4"/>
-          <p:cNvSpPr>
-            <a:spLocks noGrp="1"/>
-          </p:cNvSpPr>
-          <p:nvPr>
-            <p:ph type="sldNum" sz="quarter" idx="12"/>
-          </p:nvPr>
-        </p:nvSpPr>
-        <p:spPr/>
-        <p:txBody>
-          <a:bodyPr/>
-          <a:p>
-            <a:fld id="{9B618960-8005-486C-9A75-10CB2AAC16F9}" type="slidenum">
-              <a:rPr lang="en-US" smtClean="0"/>
-            </a:fld>
-            <a:endParaRPr lang="en-US"/>
-          </a:p>
-        </p:txBody>
-      </p:sp>
     </p:spTree>
   </p:cSld>
   <p:clrMapOvr>
@@ -3652,9 +3652,30 @@
           </a:p>
         </p:txBody>
       </p:sp>
+      <p:sp>
+        <p:nvSpPr>
+          <p:cNvPr id="5" name="Slide Number Placeholder 4"/>
+          <p:cNvSpPr>
+            <a:spLocks noGrp="1"/>
+          </p:cNvSpPr>
+          <p:nvPr>
+            <p:ph type="sldNum" sz="quarter" idx="12"/>
+          </p:nvPr>
+        </p:nvSpPr>
+        <p:spPr/>
+        <p:txBody>
+          <a:bodyPr/>
+          <a:p>
+            <a:fld id="{9B618960-8005-486C-9A75-10CB2AAC16F9}" type="slidenum">
+              <a:rPr lang="en-US" smtClean="0"/>
+            </a:fld>
+            <a:endParaRPr lang="en-US"/>
+          </a:p>
+        </p:txBody>
+      </p:sp>
       <p:pic>
         <p:nvPicPr>
-          <p:cNvPr id="4" name="Content Placeholder 3"/>
+          <p:cNvPr id="6" name="Content Placeholder 5"/>
           <p:cNvPicPr>
             <a:picLocks noChangeAspect="1"/>
           </p:cNvPicPr>
@@ -3670,35 +3691,14 @@
         </p:blipFill>
         <p:spPr>
           <a:xfrm>
-            <a:off x="610235" y="365125"/>
-            <a:ext cx="10971530" cy="6096635"/>
+            <a:off x="1238250" y="598170"/>
+            <a:ext cx="9719310" cy="5474335"/>
           </a:xfrm>
           <a:prstGeom prst="rect">
             <a:avLst/>
           </a:prstGeom>
         </p:spPr>
       </p:pic>
-      <p:sp>
-        <p:nvSpPr>
-          <p:cNvPr id="5" name="Slide Number Placeholder 4"/>
-          <p:cNvSpPr>
-            <a:spLocks noGrp="1"/>
-          </p:cNvSpPr>
-          <p:nvPr>
-            <p:ph type="sldNum" sz="quarter" idx="12"/>
-          </p:nvPr>
-        </p:nvSpPr>
-        <p:spPr/>
-        <p:txBody>
-          <a:bodyPr/>
-          <a:p>
-            <a:fld id="{9B618960-8005-486C-9A75-10CB2AAC16F9}" type="slidenum">
-              <a:rPr lang="en-US" smtClean="0"/>
-            </a:fld>
-            <a:endParaRPr lang="en-US"/>
-          </a:p>
-        </p:txBody>
-      </p:sp>
     </p:spTree>
   </p:cSld>
   <p:clrMapOvr>
